--- a/AHKKATT VIZSGAREMEK PROGRESS_1119.pptx
+++ b/AHKKATT VIZSGAREMEK PROGRESS_1119.pptx
@@ -109,6 +109,11 @@
       </a:defRPr>
     </a:lvl9pPr>
   </p:defaultTextStyle>
+  <p:extLst>
+    <p:ext uri="{EFAFB233-063F-42B5-8137-9DF3F51BA10A}">
+      <p15:sldGuideLst xmlns:p15="http://schemas.microsoft.com/office/powerpoint/2012/main"/>
+    </p:ext>
+  </p:extLst>
 </p:presentation>
 </file>
 
@@ -8797,7 +8802,7 @@
           </a:lstStyle>
           <a:p>
             <a:r>
-              <a:rPr lang="hu-HU" smtClean="0"/>
+              <a:rPr lang="hu-HU"/>
               <a:t>Mintacím szerkesztése</a:t>
             </a:r>
             <a:endParaRPr lang="en-US" dirty="0"/>
@@ -8877,7 +8882,7 @@
           </a:lstStyle>
           <a:p>
             <a:r>
-              <a:rPr lang="hu-HU" smtClean="0"/>
+              <a:rPr lang="hu-HU"/>
               <a:t>Kattintson ide az alcím mintájának szerkesztéséhez</a:t>
             </a:r>
             <a:endParaRPr lang="en-US" dirty="0"/>
@@ -8905,7 +8910,7 @@
           <a:p>
             <a:fld id="{8E6F649E-09D5-4D36-8513-A0D52DC7E6EB}" type="datetimeFigureOut">
               <a:rPr lang="hu-HU" smtClean="0"/>
-              <a:t>2024. 11. 19.</a:t>
+              <a:t>2024. 11. 20.</a:t>
             </a:fld>
             <a:endParaRPr lang="hu-HU"/>
           </a:p>
@@ -9036,7 +9041,7 @@
           <a:lstStyle/>
           <a:p>
             <a:r>
-              <a:rPr lang="hu-HU" smtClean="0"/>
+              <a:rPr lang="hu-HU"/>
               <a:t>Mintacím szerkesztése</a:t>
             </a:r>
             <a:endParaRPr lang="en-US" dirty="0"/>
@@ -9060,35 +9065,35 @@
           <a:p>
             <a:pPr lvl="0"/>
             <a:r>
-              <a:rPr lang="hu-HU" smtClean="0"/>
+              <a:rPr lang="hu-HU"/>
               <a:t>Mintaszöveg szerkesztése</a:t>
             </a:r>
           </a:p>
           <a:p>
             <a:pPr lvl="1"/>
             <a:r>
-              <a:rPr lang="hu-HU" smtClean="0"/>
+              <a:rPr lang="hu-HU"/>
               <a:t>Második szint</a:t>
             </a:r>
           </a:p>
           <a:p>
             <a:pPr lvl="2"/>
             <a:r>
-              <a:rPr lang="hu-HU" smtClean="0"/>
+              <a:rPr lang="hu-HU"/>
               <a:t>Harmadik szint</a:t>
             </a:r>
           </a:p>
           <a:p>
             <a:pPr lvl="3"/>
             <a:r>
-              <a:rPr lang="hu-HU" smtClean="0"/>
+              <a:rPr lang="hu-HU"/>
               <a:t>Negyedik szint</a:t>
             </a:r>
           </a:p>
           <a:p>
             <a:pPr lvl="4"/>
             <a:r>
-              <a:rPr lang="hu-HU" smtClean="0"/>
+              <a:rPr lang="hu-HU"/>
               <a:t>Ötödik szint</a:t>
             </a:r>
             <a:endParaRPr lang="en-US" dirty="0"/>
@@ -9112,7 +9117,7 @@
           <a:p>
             <a:fld id="{8E6F649E-09D5-4D36-8513-A0D52DC7E6EB}" type="datetimeFigureOut">
               <a:rPr lang="hu-HU" smtClean="0"/>
-              <a:t>2024. 11. 19.</a:t>
+              <a:t>2024. 11. 20.</a:t>
             </a:fld>
             <a:endParaRPr lang="hu-HU"/>
           </a:p>
@@ -9211,7 +9216,7 @@
           <a:lstStyle/>
           <a:p>
             <a:r>
-              <a:rPr lang="hu-HU" smtClean="0"/>
+              <a:rPr lang="hu-HU"/>
               <a:t>Mintacím szerkesztése</a:t>
             </a:r>
             <a:endParaRPr lang="en-US" dirty="0"/>
@@ -9240,35 +9245,35 @@
           <a:p>
             <a:pPr lvl="0"/>
             <a:r>
-              <a:rPr lang="hu-HU" smtClean="0"/>
+              <a:rPr lang="hu-HU"/>
               <a:t>Mintaszöveg szerkesztése</a:t>
             </a:r>
           </a:p>
           <a:p>
             <a:pPr lvl="1"/>
             <a:r>
-              <a:rPr lang="hu-HU" smtClean="0"/>
+              <a:rPr lang="hu-HU"/>
               <a:t>Második szint</a:t>
             </a:r>
           </a:p>
           <a:p>
             <a:pPr lvl="2"/>
             <a:r>
-              <a:rPr lang="hu-HU" smtClean="0"/>
+              <a:rPr lang="hu-HU"/>
               <a:t>Harmadik szint</a:t>
             </a:r>
           </a:p>
           <a:p>
             <a:pPr lvl="3"/>
             <a:r>
-              <a:rPr lang="hu-HU" smtClean="0"/>
+              <a:rPr lang="hu-HU"/>
               <a:t>Negyedik szint</a:t>
             </a:r>
           </a:p>
           <a:p>
             <a:pPr lvl="4"/>
             <a:r>
-              <a:rPr lang="hu-HU" smtClean="0"/>
+              <a:rPr lang="hu-HU"/>
               <a:t>Ötödik szint</a:t>
             </a:r>
             <a:endParaRPr lang="en-US" dirty="0"/>
@@ -9292,7 +9297,7 @@
           <a:p>
             <a:fld id="{8E6F649E-09D5-4D36-8513-A0D52DC7E6EB}" type="datetimeFigureOut">
               <a:rPr lang="hu-HU" smtClean="0"/>
-              <a:t>2024. 11. 19.</a:t>
+              <a:t>2024. 11. 20.</a:t>
             </a:fld>
             <a:endParaRPr lang="hu-HU"/>
           </a:p>
@@ -9421,7 +9426,7 @@
           <a:lstStyle/>
           <a:p>
             <a:r>
-              <a:rPr lang="hu-HU" smtClean="0"/>
+              <a:rPr lang="hu-HU"/>
               <a:t>Mintacím szerkesztése</a:t>
             </a:r>
             <a:endParaRPr lang="en-US" dirty="0"/>
@@ -9445,35 +9450,35 @@
           <a:p>
             <a:pPr lvl="0"/>
             <a:r>
-              <a:rPr lang="hu-HU" smtClean="0"/>
+              <a:rPr lang="hu-HU"/>
               <a:t>Mintaszöveg szerkesztése</a:t>
             </a:r>
           </a:p>
           <a:p>
             <a:pPr lvl="1"/>
             <a:r>
-              <a:rPr lang="hu-HU" smtClean="0"/>
+              <a:rPr lang="hu-HU"/>
               <a:t>Második szint</a:t>
             </a:r>
           </a:p>
           <a:p>
             <a:pPr lvl="2"/>
             <a:r>
-              <a:rPr lang="hu-HU" smtClean="0"/>
+              <a:rPr lang="hu-HU"/>
               <a:t>Harmadik szint</a:t>
             </a:r>
           </a:p>
           <a:p>
             <a:pPr lvl="3"/>
             <a:r>
-              <a:rPr lang="hu-HU" smtClean="0"/>
+              <a:rPr lang="hu-HU"/>
               <a:t>Negyedik szint</a:t>
             </a:r>
           </a:p>
           <a:p>
             <a:pPr lvl="4"/>
             <a:r>
-              <a:rPr lang="hu-HU" smtClean="0"/>
+              <a:rPr lang="hu-HU"/>
               <a:t>Ötödik szint</a:t>
             </a:r>
             <a:endParaRPr lang="en-US" dirty="0"/>
@@ -9497,7 +9502,7 @@
           <a:p>
             <a:fld id="{8E6F649E-09D5-4D36-8513-A0D52DC7E6EB}" type="datetimeFigureOut">
               <a:rPr lang="hu-HU" smtClean="0"/>
-              <a:t>2024. 11. 19.</a:t>
+              <a:t>2024. 11. 20.</a:t>
             </a:fld>
             <a:endParaRPr lang="hu-HU"/>
           </a:p>
@@ -18243,7 +18248,7 @@
           </a:lstStyle>
           <a:p>
             <a:r>
-              <a:rPr lang="hu-HU" smtClean="0"/>
+              <a:rPr lang="hu-HU"/>
               <a:t>Mintacím szerkesztése</a:t>
             </a:r>
             <a:endParaRPr lang="en-US" dirty="0"/>
@@ -18372,7 +18377,7 @@
           <a:p>
             <a:pPr lvl="0"/>
             <a:r>
-              <a:rPr lang="hu-HU" smtClean="0"/>
+              <a:rPr lang="hu-HU"/>
               <a:t>Mintaszöveg szerkesztése</a:t>
             </a:r>
           </a:p>
@@ -18395,7 +18400,7 @@
           <a:p>
             <a:fld id="{8E6F649E-09D5-4D36-8513-A0D52DC7E6EB}" type="datetimeFigureOut">
               <a:rPr lang="hu-HU" smtClean="0"/>
-              <a:t>2024. 11. 19.</a:t>
+              <a:t>2024. 11. 20.</a:t>
             </a:fld>
             <a:endParaRPr lang="hu-HU"/>
           </a:p>
@@ -18531,7 +18536,7 @@
           <a:lstStyle/>
           <a:p>
             <a:r>
-              <a:rPr lang="hu-HU" smtClean="0"/>
+              <a:rPr lang="hu-HU"/>
               <a:t>Mintacím szerkesztése</a:t>
             </a:r>
             <a:endParaRPr lang="en-US" dirty="0"/>
@@ -18560,35 +18565,35 @@
           <a:p>
             <a:pPr lvl="0"/>
             <a:r>
-              <a:rPr lang="hu-HU" smtClean="0"/>
+              <a:rPr lang="hu-HU"/>
               <a:t>Mintaszöveg szerkesztése</a:t>
             </a:r>
           </a:p>
           <a:p>
             <a:pPr lvl="1"/>
             <a:r>
-              <a:rPr lang="hu-HU" smtClean="0"/>
+              <a:rPr lang="hu-HU"/>
               <a:t>Második szint</a:t>
             </a:r>
           </a:p>
           <a:p>
             <a:pPr lvl="2"/>
             <a:r>
-              <a:rPr lang="hu-HU" smtClean="0"/>
+              <a:rPr lang="hu-HU"/>
               <a:t>Harmadik szint</a:t>
             </a:r>
           </a:p>
           <a:p>
             <a:pPr lvl="3"/>
             <a:r>
-              <a:rPr lang="hu-HU" smtClean="0"/>
+              <a:rPr lang="hu-HU"/>
               <a:t>Negyedik szint</a:t>
             </a:r>
           </a:p>
           <a:p>
             <a:pPr lvl="4"/>
             <a:r>
-              <a:rPr lang="hu-HU" smtClean="0"/>
+              <a:rPr lang="hu-HU"/>
               <a:t>Ötödik szint</a:t>
             </a:r>
             <a:endParaRPr lang="en-US" dirty="0"/>
@@ -18617,35 +18622,35 @@
           <a:p>
             <a:pPr lvl="0"/>
             <a:r>
-              <a:rPr lang="hu-HU" smtClean="0"/>
+              <a:rPr lang="hu-HU"/>
               <a:t>Mintaszöveg szerkesztése</a:t>
             </a:r>
           </a:p>
           <a:p>
             <a:pPr lvl="1"/>
             <a:r>
-              <a:rPr lang="hu-HU" smtClean="0"/>
+              <a:rPr lang="hu-HU"/>
               <a:t>Második szint</a:t>
             </a:r>
           </a:p>
           <a:p>
             <a:pPr lvl="2"/>
             <a:r>
-              <a:rPr lang="hu-HU" smtClean="0"/>
+              <a:rPr lang="hu-HU"/>
               <a:t>Harmadik szint</a:t>
             </a:r>
           </a:p>
           <a:p>
             <a:pPr lvl="3"/>
             <a:r>
-              <a:rPr lang="hu-HU" smtClean="0"/>
+              <a:rPr lang="hu-HU"/>
               <a:t>Negyedik szint</a:t>
             </a:r>
           </a:p>
           <a:p>
             <a:pPr lvl="4"/>
             <a:r>
-              <a:rPr lang="hu-HU" smtClean="0"/>
+              <a:rPr lang="hu-HU"/>
               <a:t>Ötödik szint</a:t>
             </a:r>
             <a:endParaRPr lang="en-US" dirty="0"/>
@@ -18669,7 +18674,7 @@
           <a:p>
             <a:fld id="{8E6F649E-09D5-4D36-8513-A0D52DC7E6EB}" type="datetimeFigureOut">
               <a:rPr lang="hu-HU" smtClean="0"/>
-              <a:t>2024. 11. 19.</a:t>
+              <a:t>2024. 11. 20.</a:t>
             </a:fld>
             <a:endParaRPr lang="hu-HU"/>
           </a:p>
@@ -18763,7 +18768,7 @@
           <a:lstStyle/>
           <a:p>
             <a:r>
-              <a:rPr lang="hu-HU" smtClean="0"/>
+              <a:rPr lang="hu-HU"/>
               <a:t>Mintacím szerkesztése</a:t>
             </a:r>
             <a:endParaRPr lang="en-US" dirty="0"/>
@@ -18842,7 +18847,7 @@
           <a:p>
             <a:pPr lvl="0"/>
             <a:r>
-              <a:rPr lang="hu-HU" smtClean="0"/>
+              <a:rPr lang="hu-HU"/>
               <a:t>Mintaszöveg szerkesztése</a:t>
             </a:r>
           </a:p>
@@ -18870,35 +18875,35 @@
           <a:p>
             <a:pPr lvl="0"/>
             <a:r>
-              <a:rPr lang="hu-HU" smtClean="0"/>
+              <a:rPr lang="hu-HU"/>
               <a:t>Mintaszöveg szerkesztése</a:t>
             </a:r>
           </a:p>
           <a:p>
             <a:pPr lvl="1"/>
             <a:r>
-              <a:rPr lang="hu-HU" smtClean="0"/>
+              <a:rPr lang="hu-HU"/>
               <a:t>Második szint</a:t>
             </a:r>
           </a:p>
           <a:p>
             <a:pPr lvl="2"/>
             <a:r>
-              <a:rPr lang="hu-HU" smtClean="0"/>
+              <a:rPr lang="hu-HU"/>
               <a:t>Harmadik szint</a:t>
             </a:r>
           </a:p>
           <a:p>
             <a:pPr lvl="3"/>
             <a:r>
-              <a:rPr lang="hu-HU" smtClean="0"/>
+              <a:rPr lang="hu-HU"/>
               <a:t>Negyedik szint</a:t>
             </a:r>
           </a:p>
           <a:p>
             <a:pPr lvl="4"/>
             <a:r>
-              <a:rPr lang="hu-HU" smtClean="0"/>
+              <a:rPr lang="hu-HU"/>
               <a:t>Ötödik szint</a:t>
             </a:r>
             <a:endParaRPr lang="en-US" dirty="0"/>
@@ -18987,7 +18992,7 @@
               <a:buNone/>
             </a:pPr>
             <a:r>
-              <a:rPr lang="hu-HU" smtClean="0"/>
+              <a:rPr lang="hu-HU"/>
               <a:t>Mintaszöveg szerkesztése</a:t>
             </a:r>
           </a:p>
@@ -19015,35 +19020,35 @@
           <a:p>
             <a:pPr lvl="0"/>
             <a:r>
-              <a:rPr lang="hu-HU" smtClean="0"/>
+              <a:rPr lang="hu-HU"/>
               <a:t>Mintaszöveg szerkesztése</a:t>
             </a:r>
           </a:p>
           <a:p>
             <a:pPr lvl="1"/>
             <a:r>
-              <a:rPr lang="hu-HU" smtClean="0"/>
+              <a:rPr lang="hu-HU"/>
               <a:t>Második szint</a:t>
             </a:r>
           </a:p>
           <a:p>
             <a:pPr lvl="2"/>
             <a:r>
-              <a:rPr lang="hu-HU" smtClean="0"/>
+              <a:rPr lang="hu-HU"/>
               <a:t>Harmadik szint</a:t>
             </a:r>
           </a:p>
           <a:p>
             <a:pPr lvl="3"/>
             <a:r>
-              <a:rPr lang="hu-HU" smtClean="0"/>
+              <a:rPr lang="hu-HU"/>
               <a:t>Negyedik szint</a:t>
             </a:r>
           </a:p>
           <a:p>
             <a:pPr lvl="4"/>
             <a:r>
-              <a:rPr lang="hu-HU" smtClean="0"/>
+              <a:rPr lang="hu-HU"/>
               <a:t>Ötödik szint</a:t>
             </a:r>
             <a:endParaRPr lang="en-US" dirty="0"/>
@@ -19067,7 +19072,7 @@
           <a:p>
             <a:fld id="{8E6F649E-09D5-4D36-8513-A0D52DC7E6EB}" type="datetimeFigureOut">
               <a:rPr lang="hu-HU" smtClean="0"/>
-              <a:t>2024. 11. 19.</a:t>
+              <a:t>2024. 11. 20.</a:t>
             </a:fld>
             <a:endParaRPr lang="hu-HU"/>
           </a:p>
@@ -19161,7 +19166,7 @@
           <a:lstStyle/>
           <a:p>
             <a:r>
-              <a:rPr lang="hu-HU" smtClean="0"/>
+              <a:rPr lang="hu-HU"/>
               <a:t>Mintacím szerkesztése</a:t>
             </a:r>
             <a:endParaRPr lang="en-US" dirty="0"/>
@@ -19185,7 +19190,7 @@
           <a:p>
             <a:fld id="{8E6F649E-09D5-4D36-8513-A0D52DC7E6EB}" type="datetimeFigureOut">
               <a:rPr lang="hu-HU" smtClean="0"/>
-              <a:t>2024. 11. 19.</a:t>
+              <a:t>2024. 11. 20.</a:t>
             </a:fld>
             <a:endParaRPr lang="hu-HU"/>
           </a:p>
@@ -19280,7 +19285,7 @@
           <a:p>
             <a:fld id="{8E6F649E-09D5-4D36-8513-A0D52DC7E6EB}" type="datetimeFigureOut">
               <a:rPr lang="hu-HU" smtClean="0"/>
-              <a:t>2024. 11. 19.</a:t>
+              <a:t>2024. 11. 20.</a:t>
             </a:fld>
             <a:endParaRPr lang="hu-HU"/>
           </a:p>
@@ -19388,7 +19393,7 @@
           </a:lstStyle>
           <a:p>
             <a:r>
-              <a:rPr lang="hu-HU" smtClean="0"/>
+              <a:rPr lang="hu-HU"/>
               <a:t>Mintacím szerkesztése</a:t>
             </a:r>
             <a:endParaRPr lang="en-US" dirty="0"/>
@@ -19445,35 +19450,35 @@
           <a:p>
             <a:pPr lvl="0"/>
             <a:r>
-              <a:rPr lang="hu-HU" smtClean="0"/>
+              <a:rPr lang="hu-HU"/>
               <a:t>Mintaszöveg szerkesztése</a:t>
             </a:r>
           </a:p>
           <a:p>
             <a:pPr lvl="1"/>
             <a:r>
-              <a:rPr lang="hu-HU" smtClean="0"/>
+              <a:rPr lang="hu-HU"/>
               <a:t>Második szint</a:t>
             </a:r>
           </a:p>
           <a:p>
             <a:pPr lvl="2"/>
             <a:r>
-              <a:rPr lang="hu-HU" smtClean="0"/>
+              <a:rPr lang="hu-HU"/>
               <a:t>Harmadik szint</a:t>
             </a:r>
           </a:p>
           <a:p>
             <a:pPr lvl="3"/>
             <a:r>
-              <a:rPr lang="hu-HU" smtClean="0"/>
+              <a:rPr lang="hu-HU"/>
               <a:t>Negyedik szint</a:t>
             </a:r>
           </a:p>
           <a:p>
             <a:pPr lvl="4"/>
             <a:r>
-              <a:rPr lang="hu-HU" smtClean="0"/>
+              <a:rPr lang="hu-HU"/>
               <a:t>Ötödik szint</a:t>
             </a:r>
             <a:endParaRPr lang="en-US" dirty="0"/>
@@ -19547,7 +19552,7 @@
           <a:p>
             <a:pPr lvl="0"/>
             <a:r>
-              <a:rPr lang="hu-HU" smtClean="0"/>
+              <a:rPr lang="hu-HU"/>
               <a:t>Mintaszöveg szerkesztése</a:t>
             </a:r>
           </a:p>
@@ -19570,7 +19575,7 @@
           <a:p>
             <a:fld id="{8E6F649E-09D5-4D36-8513-A0D52DC7E6EB}" type="datetimeFigureOut">
               <a:rPr lang="hu-HU" smtClean="0"/>
-              <a:t>2024. 11. 19.</a:t>
+              <a:t>2024. 11. 20.</a:t>
             </a:fld>
             <a:endParaRPr lang="hu-HU"/>
           </a:p>
@@ -19675,7 +19680,7 @@
           </a:lstStyle>
           <a:p>
             <a:r>
-              <a:rPr lang="hu-HU" smtClean="0"/>
+              <a:rPr lang="hu-HU"/>
               <a:t>Mintacím szerkesztése</a:t>
             </a:r>
             <a:endParaRPr lang="en-US" dirty="0"/>
@@ -19746,7 +19751,7 @@
           </a:lstStyle>
           <a:p>
             <a:r>
-              <a:rPr lang="hu-HU" smtClean="0"/>
+              <a:rPr lang="hu-HU"/>
               <a:t>Kép beszúrásához kattintson az ikonra</a:t>
             </a:r>
             <a:endParaRPr lang="en-US" dirty="0"/>
@@ -19827,7 +19832,7 @@
           <a:p>
             <a:pPr lvl="0"/>
             <a:r>
-              <a:rPr lang="hu-HU" smtClean="0"/>
+              <a:rPr lang="hu-HU"/>
               <a:t>Mintaszöveg szerkesztése</a:t>
             </a:r>
           </a:p>
@@ -19850,7 +19855,7 @@
           <a:p>
             <a:fld id="{8E6F649E-09D5-4D36-8513-A0D52DC7E6EB}" type="datetimeFigureOut">
               <a:rPr lang="hu-HU" smtClean="0"/>
-              <a:t>2024. 11. 19.</a:t>
+              <a:t>2024. 11. 20.</a:t>
             </a:fld>
             <a:endParaRPr lang="hu-HU"/>
           </a:p>
@@ -19994,7 +19999,7 @@
           <a:lstStyle/>
           <a:p>
             <a:r>
-              <a:rPr lang="hu-HU" smtClean="0"/>
+              <a:rPr lang="hu-HU"/>
               <a:t>Mintacím szerkesztése</a:t>
             </a:r>
             <a:endParaRPr lang="en-US" dirty="0"/>
@@ -20028,35 +20033,35 @@
           <a:p>
             <a:pPr lvl="0"/>
             <a:r>
-              <a:rPr lang="hu-HU" smtClean="0"/>
+              <a:rPr lang="hu-HU"/>
               <a:t>Mintaszöveg szerkesztése</a:t>
             </a:r>
           </a:p>
           <a:p>
             <a:pPr lvl="1"/>
             <a:r>
-              <a:rPr lang="hu-HU" smtClean="0"/>
+              <a:rPr lang="hu-HU"/>
               <a:t>Második szint</a:t>
             </a:r>
           </a:p>
           <a:p>
             <a:pPr lvl="2"/>
             <a:r>
-              <a:rPr lang="hu-HU" smtClean="0"/>
+              <a:rPr lang="hu-HU"/>
               <a:t>Harmadik szint</a:t>
             </a:r>
           </a:p>
           <a:p>
             <a:pPr lvl="3"/>
             <a:r>
-              <a:rPr lang="hu-HU" smtClean="0"/>
+              <a:rPr lang="hu-HU"/>
               <a:t>Negyedik szint</a:t>
             </a:r>
           </a:p>
           <a:p>
             <a:pPr lvl="4"/>
             <a:r>
-              <a:rPr lang="hu-HU" smtClean="0"/>
+              <a:rPr lang="hu-HU"/>
               <a:t>Ötödik szint</a:t>
             </a:r>
             <a:endParaRPr lang="en-US" dirty="0"/>
@@ -20100,7 +20105,7 @@
           <a:p>
             <a:fld id="{8E6F649E-09D5-4D36-8513-A0D52DC7E6EB}" type="datetimeFigureOut">
               <a:rPr lang="hu-HU" smtClean="0"/>
-              <a:t>2024. 11. 19.</a:t>
+              <a:t>2024. 11. 20.</a:t>
             </a:fld>
             <a:endParaRPr lang="hu-HU"/>
           </a:p>
@@ -20619,7 +20624,7 @@
           <a:p>
             <a:pPr algn="ctr"/>
             <a:r>
-              <a:rPr lang="en-US" dirty="0" smtClean="0"/>
+              <a:rPr lang="en-US" dirty="0"/>
               <a:t>AHKKATT VIZSGAREMEK</a:t>
             </a:r>
             <a:endParaRPr lang="hu-HU" dirty="0"/>
@@ -20642,39 +20647,39 @@
           <a:lstStyle/>
           <a:p>
             <a:r>
-              <a:rPr lang="en-US" dirty="0" err="1" smtClean="0"/>
+              <a:rPr lang="en-US" dirty="0" err="1"/>
               <a:t>Készítette</a:t>
             </a:r>
             <a:r>
-              <a:rPr lang="en-US" dirty="0" smtClean="0"/>
+              <a:rPr lang="en-US" dirty="0"/>
               <a:t>: </a:t>
             </a:r>
             <a:r>
-              <a:rPr lang="en-US" dirty="0" err="1" smtClean="0"/>
+              <a:rPr lang="en-US" dirty="0" err="1"/>
               <a:t>Ábrahám</a:t>
             </a:r>
             <a:r>
-              <a:rPr lang="en-US" dirty="0" smtClean="0"/>
+              <a:rPr lang="en-US" dirty="0"/>
               <a:t> </a:t>
             </a:r>
             <a:r>
-              <a:rPr lang="en-US" dirty="0" err="1" smtClean="0"/>
+              <a:rPr lang="en-US" dirty="0" err="1"/>
               <a:t>Hunor</a:t>
             </a:r>
             <a:r>
-              <a:rPr lang="en-US" dirty="0" smtClean="0"/>
+              <a:rPr lang="en-US" dirty="0"/>
               <a:t>, </a:t>
             </a:r>
             <a:r>
-              <a:rPr lang="en-US" dirty="0" err="1" smtClean="0"/>
+              <a:rPr lang="en-US" dirty="0" err="1"/>
               <a:t>Kovács</a:t>
             </a:r>
             <a:r>
-              <a:rPr lang="en-US" dirty="0" smtClean="0"/>
+              <a:rPr lang="en-US" dirty="0"/>
               <a:t> Kevin Attila, Takács </a:t>
             </a:r>
             <a:r>
-              <a:rPr lang="en-US" dirty="0" err="1" smtClean="0"/>
+              <a:rPr lang="en-US" dirty="0" err="1"/>
               <a:t>Tamás</a:t>
             </a:r>
             <a:endParaRPr lang="hu-HU" dirty="0"/>
@@ -20727,11 +20732,11 @@
           <a:lstStyle/>
           <a:p>
             <a:r>
-              <a:rPr lang="en-US" dirty="0" err="1" smtClean="0"/>
+              <a:rPr lang="en-US" dirty="0" err="1"/>
               <a:t>Projektünkről</a:t>
             </a:r>
             <a:r>
-              <a:rPr lang="en-US" dirty="0" smtClean="0"/>
+              <a:rPr lang="en-US" dirty="0"/>
               <a:t>:</a:t>
             </a:r>
             <a:endParaRPr lang="hu-HU" dirty="0"/>
@@ -20758,291 +20763,299 @@
               <a:buChar char="v"/>
             </a:pPr>
             <a:r>
-              <a:rPr lang="en-US" dirty="0" err="1" smtClean="0"/>
-              <a:t>Célünk</a:t>
-            </a:r>
-            <a:r>
-              <a:rPr lang="en-US" dirty="0" smtClean="0"/>
+              <a:rPr lang="en-US" dirty="0" err="1"/>
+              <a:t>Cél</a:t>
+            </a:r>
+            <a:r>
+              <a:rPr lang="hu-HU"/>
+              <a:t>u</a:t>
+            </a:r>
+            <a:r>
+              <a:rPr lang="en-US"/>
+              <a:t>nk</a:t>
+            </a:r>
+            <a:r>
+              <a:rPr lang="en-US" dirty="0"/>
               <a:t> </a:t>
             </a:r>
             <a:r>
-              <a:rPr lang="en-US" dirty="0" err="1" smtClean="0"/>
+              <a:rPr lang="en-US" dirty="0" err="1"/>
               <a:t>egy</a:t>
             </a:r>
             <a:r>
-              <a:rPr lang="en-US" dirty="0" smtClean="0"/>
+              <a:rPr lang="en-US" dirty="0"/>
               <a:t> </a:t>
             </a:r>
             <a:r>
-              <a:rPr lang="en-US" dirty="0" err="1" smtClean="0"/>
+              <a:rPr lang="en-US" dirty="0" err="1"/>
               <a:t>utazási</a:t>
             </a:r>
             <a:r>
-              <a:rPr lang="en-US" dirty="0" smtClean="0"/>
+              <a:rPr lang="en-US" dirty="0"/>
               <a:t> </a:t>
             </a:r>
             <a:r>
-              <a:rPr lang="en-US" dirty="0" err="1" smtClean="0"/>
+              <a:rPr lang="en-US" dirty="0" err="1"/>
               <a:t>emlék</a:t>
             </a:r>
             <a:r>
-              <a:rPr lang="en-US" dirty="0" smtClean="0"/>
+              <a:rPr lang="en-US" dirty="0"/>
               <a:t> </a:t>
             </a:r>
             <a:r>
-              <a:rPr lang="en-US" dirty="0" err="1" smtClean="0"/>
+              <a:rPr lang="en-US" dirty="0" err="1"/>
               <a:t>kezelő</a:t>
             </a:r>
             <a:r>
-              <a:rPr lang="en-US" dirty="0" smtClean="0"/>
+              <a:rPr lang="en-US" dirty="0"/>
               <a:t> </a:t>
             </a:r>
             <a:r>
-              <a:rPr lang="en-US" dirty="0" err="1" smtClean="0"/>
+              <a:rPr lang="en-US" dirty="0" err="1"/>
               <a:t>és</a:t>
             </a:r>
             <a:r>
-              <a:rPr lang="en-US" dirty="0" smtClean="0"/>
+              <a:rPr lang="en-US" dirty="0"/>
               <a:t> </a:t>
             </a:r>
             <a:r>
-              <a:rPr lang="en-US" dirty="0" err="1" smtClean="0"/>
+              <a:rPr lang="en-US" dirty="0" err="1"/>
               <a:t>tervező</a:t>
             </a:r>
             <a:r>
-              <a:rPr lang="en-US" dirty="0" smtClean="0"/>
+              <a:rPr lang="en-US" dirty="0"/>
               <a:t> </a:t>
             </a:r>
             <a:r>
-              <a:rPr lang="en-US" dirty="0" err="1" smtClean="0"/>
+              <a:rPr lang="en-US" dirty="0" err="1"/>
               <a:t>webalkalmazás</a:t>
             </a:r>
             <a:r>
-              <a:rPr lang="en-US" dirty="0" smtClean="0"/>
+              <a:rPr lang="en-US" dirty="0"/>
               <a:t> </a:t>
             </a:r>
             <a:r>
-              <a:rPr lang="en-US" dirty="0" err="1" smtClean="0"/>
+              <a:rPr lang="en-US" dirty="0" err="1"/>
               <a:t>létrehozása</a:t>
             </a:r>
             <a:r>
-              <a:rPr lang="en-US" dirty="0" smtClean="0"/>
+              <a:rPr lang="en-US" dirty="0"/>
               <a:t>, </a:t>
             </a:r>
             <a:r>
-              <a:rPr lang="en-US" dirty="0" err="1" smtClean="0"/>
+              <a:rPr lang="en-US" dirty="0" err="1"/>
               <a:t>amelyben</a:t>
             </a:r>
             <a:r>
-              <a:rPr lang="en-US" dirty="0" smtClean="0"/>
+              <a:rPr lang="en-US" dirty="0"/>
               <a:t> a </a:t>
             </a:r>
             <a:r>
-              <a:rPr lang="en-US" dirty="0" err="1" smtClean="0"/>
+              <a:rPr lang="en-US" dirty="0" err="1"/>
               <a:t>felhasználó</a:t>
             </a:r>
             <a:r>
-              <a:rPr lang="en-US" dirty="0" smtClean="0"/>
+              <a:rPr lang="en-US" dirty="0"/>
               <a:t> </a:t>
             </a:r>
             <a:r>
-              <a:rPr lang="en-US" dirty="0" err="1" smtClean="0"/>
+              <a:rPr lang="en-US" dirty="0" err="1"/>
               <a:t>rögzítheti</a:t>
             </a:r>
             <a:r>
-              <a:rPr lang="en-US" dirty="0" smtClean="0"/>
+              <a:rPr lang="en-US" dirty="0"/>
               <a:t> </a:t>
             </a:r>
             <a:r>
-              <a:rPr lang="en-US" dirty="0" err="1" smtClean="0"/>
+              <a:rPr lang="en-US" dirty="0" err="1"/>
               <a:t>már</a:t>
             </a:r>
             <a:r>
-              <a:rPr lang="en-US" dirty="0" smtClean="0"/>
+              <a:rPr lang="en-US" dirty="0"/>
               <a:t> </a:t>
             </a:r>
             <a:r>
-              <a:rPr lang="en-US" dirty="0" err="1" smtClean="0"/>
+              <a:rPr lang="en-US" dirty="0" err="1"/>
               <a:t>megtett</a:t>
             </a:r>
             <a:r>
-              <a:rPr lang="en-US" dirty="0" smtClean="0"/>
+              <a:rPr lang="en-US" dirty="0"/>
               <a:t> </a:t>
             </a:r>
             <a:r>
-              <a:rPr lang="en-US" dirty="0" err="1" smtClean="0"/>
+              <a:rPr lang="en-US" dirty="0" err="1"/>
               <a:t>utait</a:t>
             </a:r>
             <a:r>
-              <a:rPr lang="en-US" dirty="0" smtClean="0"/>
+              <a:rPr lang="en-US" dirty="0"/>
               <a:t>, </a:t>
             </a:r>
             <a:r>
-              <a:rPr lang="en-US" dirty="0" err="1" smtClean="0"/>
+              <a:rPr lang="en-US" dirty="0" err="1"/>
               <a:t>és</a:t>
             </a:r>
             <a:r>
-              <a:rPr lang="en-US" dirty="0" smtClean="0"/>
+              <a:rPr lang="en-US" dirty="0"/>
               <a:t> </a:t>
             </a:r>
             <a:r>
-              <a:rPr lang="en-US" dirty="0" err="1" smtClean="0"/>
+              <a:rPr lang="en-US" dirty="0" err="1"/>
               <a:t>azokhoz</a:t>
             </a:r>
             <a:r>
-              <a:rPr lang="en-US" dirty="0" smtClean="0"/>
+              <a:rPr lang="en-US" dirty="0"/>
               <a:t> </a:t>
             </a:r>
             <a:r>
-              <a:rPr lang="en-US" dirty="0" err="1" smtClean="0"/>
+              <a:rPr lang="en-US" dirty="0" err="1"/>
               <a:t>emlékeit</a:t>
             </a:r>
             <a:r>
-              <a:rPr lang="en-US" dirty="0" smtClean="0"/>
+              <a:rPr lang="en-US" dirty="0"/>
               <a:t>, </a:t>
             </a:r>
             <a:r>
-              <a:rPr lang="en-US" dirty="0" err="1" smtClean="0"/>
+              <a:rPr lang="en-US" dirty="0" err="1"/>
               <a:t>képeit</a:t>
             </a:r>
             <a:r>
-              <a:rPr lang="en-US" dirty="0" smtClean="0"/>
+              <a:rPr lang="en-US" dirty="0"/>
               <a:t>, </a:t>
             </a:r>
             <a:r>
-              <a:rPr lang="en-US" dirty="0" err="1" smtClean="0"/>
+              <a:rPr lang="en-US" dirty="0" err="1"/>
               <a:t>továbba</a:t>
             </a:r>
             <a:r>
-              <a:rPr lang="en-US" dirty="0" smtClean="0"/>
+              <a:rPr lang="en-US" dirty="0"/>
               <a:t> </a:t>
             </a:r>
             <a:r>
-              <a:rPr lang="en-US" dirty="0" err="1" smtClean="0"/>
+              <a:rPr lang="en-US" dirty="0" err="1"/>
               <a:t>ehhez</a:t>
             </a:r>
             <a:r>
-              <a:rPr lang="en-US" dirty="0" smtClean="0"/>
+              <a:rPr lang="en-US" dirty="0"/>
               <a:t> </a:t>
             </a:r>
             <a:r>
-              <a:rPr lang="en-US" dirty="0" err="1" smtClean="0"/>
+              <a:rPr lang="en-US" dirty="0" err="1"/>
               <a:t>egy</a:t>
             </a:r>
             <a:r>
-              <a:rPr lang="en-US" dirty="0" smtClean="0"/>
+              <a:rPr lang="en-US" dirty="0"/>
               <a:t> </a:t>
             </a:r>
             <a:r>
-              <a:rPr lang="en-US" dirty="0" err="1" smtClean="0"/>
+              <a:rPr lang="en-US" dirty="0" err="1"/>
               <a:t>világtérkép</a:t>
             </a:r>
             <a:r>
-              <a:rPr lang="en-US" dirty="0" smtClean="0"/>
+              <a:rPr lang="en-US" dirty="0"/>
               <a:t>, </a:t>
             </a:r>
             <a:r>
-              <a:rPr lang="en-US" dirty="0" err="1" smtClean="0"/>
+              <a:rPr lang="en-US" dirty="0" err="1"/>
               <a:t>ahol</a:t>
             </a:r>
             <a:r>
-              <a:rPr lang="en-US" dirty="0" smtClean="0"/>
+              <a:rPr lang="en-US" dirty="0"/>
               <a:t> a </a:t>
             </a:r>
             <a:r>
-              <a:rPr lang="en-US" dirty="0" err="1" smtClean="0"/>
+              <a:rPr lang="en-US" dirty="0" err="1"/>
               <a:t>már</a:t>
             </a:r>
             <a:r>
-              <a:rPr lang="en-US" dirty="0" smtClean="0"/>
+              <a:rPr lang="en-US" dirty="0"/>
               <a:t> </a:t>
             </a:r>
             <a:r>
-              <a:rPr lang="en-US" dirty="0" err="1" smtClean="0"/>
+              <a:rPr lang="en-US" dirty="0" err="1"/>
               <a:t>megtett</a:t>
             </a:r>
             <a:r>
-              <a:rPr lang="en-US" dirty="0" smtClean="0"/>
+              <a:rPr lang="en-US" dirty="0"/>
               <a:t> </a:t>
             </a:r>
             <a:r>
-              <a:rPr lang="en-US" dirty="0" err="1" smtClean="0"/>
+              <a:rPr lang="en-US" dirty="0" err="1"/>
               <a:t>utak</a:t>
             </a:r>
             <a:r>
-              <a:rPr lang="en-US" dirty="0" smtClean="0"/>
+              <a:rPr lang="en-US" dirty="0"/>
               <a:t> </a:t>
             </a:r>
             <a:r>
-              <a:rPr lang="en-US" dirty="0" err="1" smtClean="0"/>
+              <a:rPr lang="en-US" dirty="0" err="1"/>
               <a:t>és</a:t>
             </a:r>
             <a:r>
-              <a:rPr lang="en-US" dirty="0" smtClean="0"/>
+              <a:rPr lang="en-US" dirty="0"/>
               <a:t> </a:t>
             </a:r>
             <a:r>
-              <a:rPr lang="en-US" dirty="0" err="1" smtClean="0"/>
+              <a:rPr lang="en-US" dirty="0" err="1"/>
               <a:t>országok</a:t>
             </a:r>
             <a:r>
-              <a:rPr lang="en-US" dirty="0" smtClean="0"/>
+              <a:rPr lang="en-US" dirty="0"/>
               <a:t> </a:t>
             </a:r>
             <a:r>
-              <a:rPr lang="en-US" dirty="0" err="1" smtClean="0"/>
+              <a:rPr lang="en-US" dirty="0" err="1"/>
               <a:t>ki</a:t>
             </a:r>
             <a:r>
-              <a:rPr lang="en-US" dirty="0" smtClean="0"/>
+              <a:rPr lang="en-US" dirty="0"/>
               <a:t> </a:t>
             </a:r>
             <a:r>
-              <a:rPr lang="en-US" dirty="0" err="1" smtClean="0"/>
+              <a:rPr lang="en-US" dirty="0" err="1"/>
               <a:t>vannak</a:t>
             </a:r>
             <a:r>
-              <a:rPr lang="en-US" dirty="0" smtClean="0"/>
+              <a:rPr lang="en-US" dirty="0"/>
               <a:t> </a:t>
             </a:r>
             <a:r>
-              <a:rPr lang="en-US" dirty="0" err="1" smtClean="0"/>
+              <a:rPr lang="en-US" dirty="0" err="1"/>
               <a:t>szinezve</a:t>
             </a:r>
             <a:r>
-              <a:rPr lang="en-US" dirty="0" smtClean="0"/>
+              <a:rPr lang="en-US" dirty="0"/>
               <a:t>, </a:t>
             </a:r>
             <a:r>
-              <a:rPr lang="en-US" dirty="0" err="1" smtClean="0"/>
+              <a:rPr lang="en-US" dirty="0" err="1"/>
               <a:t>több</a:t>
             </a:r>
             <a:r>
-              <a:rPr lang="en-US" dirty="0" smtClean="0"/>
+              <a:rPr lang="en-US" dirty="0"/>
               <a:t> </a:t>
             </a:r>
             <a:r>
-              <a:rPr lang="en-US" dirty="0" err="1" smtClean="0"/>
+              <a:rPr lang="en-US" dirty="0" err="1"/>
               <a:t>fajta</a:t>
             </a:r>
             <a:r>
-              <a:rPr lang="en-US" dirty="0" smtClean="0"/>
+              <a:rPr lang="en-US" dirty="0"/>
               <a:t> </a:t>
             </a:r>
             <a:r>
-              <a:rPr lang="en-US" dirty="0" err="1" smtClean="0"/>
-              <a:t>nézet</a:t>
-            </a:r>
-            <a:r>
-              <a:rPr lang="en-US" dirty="0" smtClean="0"/>
-              <a:t> is van </a:t>
-            </a:r>
-            <a:r>
-              <a:rPr lang="en-US" dirty="0" err="1" smtClean="0"/>
-              <a:t>hozzá</a:t>
-            </a:r>
-            <a:r>
-              <a:rPr lang="en-US" dirty="0" smtClean="0"/>
+              <a:rPr lang="en-US" dirty="0" err="1"/>
+              <a:t>néze</a:t>
+            </a:r>
+            <a:r>
+              <a:rPr lang="hu-HU" dirty="0" err="1"/>
+              <a:t>ttel</a:t>
+            </a:r>
+            <a:r>
+              <a:rPr lang="hu-HU" dirty="0"/>
+              <a:t> is kiegészítve</a:t>
+            </a:r>
+            <a:r>
+              <a:rPr lang="en-US" dirty="0"/>
               <a:t>.</a:t>
             </a:r>
           </a:p>
@@ -21052,90 +21065,70 @@
               <a:buChar char="v"/>
             </a:pPr>
             <a:r>
-              <a:rPr lang="en-US" dirty="0" err="1" smtClean="0"/>
+              <a:rPr lang="en-US" dirty="0" err="1"/>
               <a:t>Ezen</a:t>
             </a:r>
             <a:r>
-              <a:rPr lang="en-US" dirty="0" smtClean="0"/>
+              <a:rPr lang="en-US" dirty="0"/>
               <a:t> </a:t>
             </a:r>
             <a:r>
-              <a:rPr lang="en-US" dirty="0" err="1" smtClean="0"/>
+              <a:rPr lang="en-US" dirty="0" err="1"/>
               <a:t>felül</a:t>
             </a:r>
             <a:r>
-              <a:rPr lang="en-US" dirty="0" smtClean="0"/>
+              <a:rPr lang="en-US" dirty="0"/>
               <a:t>, </a:t>
             </a:r>
             <a:r>
-              <a:rPr lang="en-US" dirty="0" err="1" smtClean="0"/>
+              <a:rPr lang="en-US" dirty="0" err="1"/>
               <a:t>egy</a:t>
             </a:r>
             <a:r>
-              <a:rPr lang="en-US" dirty="0" smtClean="0"/>
+              <a:rPr lang="en-US" dirty="0"/>
               <a:t> </a:t>
             </a:r>
             <a:r>
-              <a:rPr lang="en-US" dirty="0" err="1" smtClean="0"/>
+              <a:rPr lang="en-US" dirty="0" err="1"/>
               <a:t>utazástervező</a:t>
             </a:r>
             <a:r>
-              <a:rPr lang="en-US" dirty="0" smtClean="0"/>
+              <a:rPr lang="en-US" dirty="0"/>
               <a:t> </a:t>
             </a:r>
             <a:r>
-              <a:rPr lang="en-US" dirty="0" err="1" smtClean="0"/>
+              <a:rPr lang="en-US" dirty="0" err="1"/>
               <a:t>kisokos</a:t>
             </a:r>
             <a:r>
-              <a:rPr lang="en-US" dirty="0" smtClean="0"/>
+              <a:rPr lang="en-US" dirty="0"/>
               <a:t> </a:t>
             </a:r>
             <a:r>
-              <a:rPr lang="en-US" dirty="0" err="1" smtClean="0"/>
+              <a:rPr lang="en-US" dirty="0" err="1"/>
               <a:t>amely</a:t>
             </a:r>
             <a:r>
-              <a:rPr lang="en-US" dirty="0" smtClean="0"/>
+              <a:rPr lang="en-US" dirty="0"/>
               <a:t>, a m</a:t>
             </a:r>
             <a:r>
-              <a:rPr lang="hu-HU" dirty="0" smtClean="0"/>
-              <a:t>ár </a:t>
-            </a:r>
-            <a:r>
               <a:rPr lang="hu-HU" dirty="0"/>
-              <a:t>megtett utak alapján és a felhasználó érdekeltségi </a:t>
-            </a:r>
-            <a:r>
-              <a:rPr lang="hu-HU" dirty="0" smtClean="0"/>
-              <a:t>beállít</a:t>
-            </a:r>
-            <a:r>
-              <a:rPr lang="en-US" dirty="0" smtClean="0"/>
+              <a:t>ár megtett utak alapján és a felhasználó érdekeltségi beállít</a:t>
+            </a:r>
+            <a:r>
+              <a:rPr lang="en-US" dirty="0"/>
               <a:t>á</a:t>
             </a:r>
             <a:r>
-              <a:rPr lang="hu-HU" dirty="0" err="1" smtClean="0"/>
+              <a:rPr lang="hu-HU" dirty="0" err="1"/>
               <a:t>sai</a:t>
             </a:r>
             <a:r>
-              <a:rPr lang="hu-HU" dirty="0" smtClean="0"/>
-              <a:t> </a:t>
-            </a:r>
-            <a:r>
               <a:rPr lang="hu-HU" dirty="0"/>
-              <a:t>alapján </a:t>
-            </a:r>
-            <a:r>
-              <a:rPr lang="hu-HU" dirty="0" smtClean="0"/>
-              <a:t>ajánlásokat </a:t>
-            </a:r>
-            <a:r>
-              <a:rPr lang="hu-HU" dirty="0"/>
-              <a:t>gyűjt a legjobb élmények érdekében.</a:t>
-            </a:r>
-            <a:endParaRPr lang="en-US" dirty="0" smtClean="0"/>
+              <a:t> alapján ajánlásokat gyűjt a legjobb élmények érdekében.</a:t>
+            </a:r>
+            <a:endParaRPr lang="en-US" dirty="0"/>
           </a:p>
           <a:p>
             <a:pPr>
@@ -21143,63 +21136,63 @@
               <a:buChar char="v"/>
             </a:pPr>
             <a:r>
-              <a:rPr lang="en-US" dirty="0" err="1" smtClean="0"/>
+              <a:rPr lang="en-US" dirty="0" err="1"/>
               <a:t>Végül</a:t>
             </a:r>
             <a:r>
-              <a:rPr lang="en-US" dirty="0" smtClean="0"/>
+              <a:rPr lang="en-US" dirty="0"/>
               <a:t> </a:t>
             </a:r>
             <a:r>
-              <a:rPr lang="en-US" dirty="0" err="1" smtClean="0"/>
+              <a:rPr lang="en-US" dirty="0" err="1"/>
               <a:t>pedig</a:t>
             </a:r>
             <a:r>
-              <a:rPr lang="en-US" dirty="0" smtClean="0"/>
+              <a:rPr lang="en-US" dirty="0"/>
               <a:t> </a:t>
             </a:r>
             <a:r>
-              <a:rPr lang="en-US" dirty="0" err="1" smtClean="0"/>
+              <a:rPr lang="en-US" dirty="0" err="1"/>
               <a:t>egy</a:t>
             </a:r>
             <a:r>
-              <a:rPr lang="en-US" dirty="0" smtClean="0"/>
+              <a:rPr lang="en-US" dirty="0"/>
               <a:t> </a:t>
             </a:r>
             <a:r>
-              <a:rPr lang="en-US" dirty="0" err="1" smtClean="0"/>
+              <a:rPr lang="en-US" dirty="0" err="1"/>
               <a:t>éghajlati</a:t>
             </a:r>
             <a:r>
-              <a:rPr lang="en-US" dirty="0" smtClean="0"/>
+              <a:rPr lang="en-US" dirty="0"/>
               <a:t> </a:t>
             </a:r>
             <a:r>
-              <a:rPr lang="en-US" dirty="0" err="1" smtClean="0"/>
+              <a:rPr lang="en-US" dirty="0" err="1"/>
               <a:t>és</a:t>
             </a:r>
             <a:r>
-              <a:rPr lang="en-US" dirty="0" smtClean="0"/>
+              <a:rPr lang="en-US" dirty="0"/>
               <a:t> </a:t>
             </a:r>
             <a:r>
-              <a:rPr lang="en-US" dirty="0" err="1" smtClean="0"/>
+              <a:rPr lang="en-US" dirty="0" err="1"/>
               <a:t>kultúrális</a:t>
             </a:r>
             <a:r>
-              <a:rPr lang="en-US" dirty="0" smtClean="0"/>
+              <a:rPr lang="en-US" dirty="0"/>
               <a:t> </a:t>
             </a:r>
             <a:r>
-              <a:rPr lang="en-US" dirty="0" err="1" smtClean="0"/>
+              <a:rPr lang="en-US" dirty="0" err="1"/>
               <a:t>érdeklődő</a:t>
             </a:r>
             <a:r>
-              <a:rPr lang="en-US" dirty="0" smtClean="0"/>
+              <a:rPr lang="en-US" dirty="0"/>
               <a:t>, </a:t>
             </a:r>
             <a:r>
-              <a:rPr lang="en-US" dirty="0" err="1" smtClean="0"/>
+              <a:rPr lang="en-US" dirty="0" err="1"/>
               <a:t>ahol</a:t>
             </a:r>
             <a:r>
@@ -21371,7 +21364,7 @@
               <a:t>szekcióban</a:t>
             </a:r>
             <a:r>
-              <a:rPr lang="en-US" dirty="0" smtClean="0"/>
+              <a:rPr lang="en-US" dirty="0"/>
               <a:t>.</a:t>
             </a:r>
           </a:p>
@@ -21381,66 +21374,65 @@
               <a:buChar char="v"/>
             </a:pPr>
             <a:r>
-              <a:rPr lang="en-US" dirty="0" smtClean="0"/>
+              <a:rPr lang="en-US" dirty="0"/>
               <a:t>A PPT </a:t>
             </a:r>
             <a:r>
-              <a:rPr lang="en-US" dirty="0" err="1" smtClean="0"/>
+              <a:rPr lang="en-US" dirty="0" err="1"/>
               <a:t>további</a:t>
             </a:r>
             <a:r>
-              <a:rPr lang="en-US" dirty="0" smtClean="0"/>
+              <a:rPr lang="en-US" dirty="0"/>
               <a:t> </a:t>
             </a:r>
             <a:r>
-              <a:rPr lang="en-US" dirty="0" err="1" smtClean="0"/>
+              <a:rPr lang="en-US" dirty="0" err="1"/>
               <a:t>része</a:t>
             </a:r>
             <a:r>
-              <a:rPr lang="en-US" dirty="0" smtClean="0"/>
+              <a:rPr lang="en-US" dirty="0"/>
               <a:t>, </a:t>
             </a:r>
             <a:r>
-              <a:rPr lang="en-US" dirty="0" err="1" smtClean="0"/>
+              <a:rPr lang="en-US" dirty="0" err="1"/>
               <a:t>megmutatja</a:t>
             </a:r>
             <a:r>
-              <a:rPr lang="en-US" dirty="0" smtClean="0"/>
+              <a:rPr lang="en-US" dirty="0"/>
               <a:t> </a:t>
             </a:r>
             <a:r>
-              <a:rPr lang="en-US" dirty="0" err="1" smtClean="0"/>
+              <a:rPr lang="en-US" dirty="0" err="1"/>
               <a:t>ebből</a:t>
             </a:r>
             <a:r>
-              <a:rPr lang="en-US" dirty="0" smtClean="0"/>
+              <a:rPr lang="en-US" dirty="0"/>
               <a:t> </a:t>
             </a:r>
             <a:r>
-              <a:rPr lang="en-US" dirty="0" err="1" smtClean="0"/>
+              <a:rPr lang="en-US" dirty="0" err="1"/>
               <a:t>mennyi</a:t>
             </a:r>
             <a:r>
-              <a:rPr lang="en-US" dirty="0" smtClean="0"/>
+              <a:rPr lang="en-US" dirty="0"/>
               <a:t> van </a:t>
             </a:r>
             <a:r>
-              <a:rPr lang="en-US" dirty="0" err="1" smtClean="0"/>
+              <a:rPr lang="en-US" dirty="0" err="1"/>
               <a:t>már</a:t>
             </a:r>
             <a:r>
-              <a:rPr lang="en-US" dirty="0" smtClean="0"/>
+              <a:rPr lang="en-US" dirty="0"/>
               <a:t> </a:t>
             </a:r>
             <a:r>
-              <a:rPr lang="en-US" dirty="0" err="1" smtClean="0"/>
+              <a:rPr lang="en-US" dirty="0" err="1"/>
               <a:t>készen</a:t>
             </a:r>
             <a:r>
-              <a:rPr lang="en-US" dirty="0" smtClean="0"/>
+              <a:rPr lang="en-US" dirty="0"/>
               <a:t>.</a:t>
             </a:r>
-            <a:endParaRPr lang="en-US" dirty="0"/>
           </a:p>
         </p:txBody>
       </p:sp>
@@ -21454,13 +21446,6 @@
   <p:clrMapOvr>
     <a:masterClrMapping/>
   </p:clrMapOvr>
-  <p:timing>
-    <p:tnLst>
-      <p:par>
-        <p:cTn id="1" dur="indefinite" restart="never" nodeType="tmRoot"/>
-      </p:par>
-    </p:tnLst>
-  </p:timing>
 </p:sld>
 </file>
 
@@ -21497,15 +21482,15 @@
           <a:lstStyle/>
           <a:p>
             <a:r>
-              <a:rPr lang="en-US" dirty="0" err="1" smtClean="0"/>
+              <a:rPr lang="en-US" dirty="0" err="1"/>
               <a:t>Adatbázis</a:t>
             </a:r>
             <a:r>
-              <a:rPr lang="en-US" dirty="0" smtClean="0"/>
+              <a:rPr lang="en-US" dirty="0"/>
               <a:t>, </a:t>
             </a:r>
             <a:r>
-              <a:rPr lang="en-US" dirty="0" err="1" smtClean="0"/>
+              <a:rPr lang="en-US" dirty="0" err="1"/>
               <a:t>kapcsolatok</a:t>
             </a:r>
             <a:endParaRPr lang="hu-HU" dirty="0"/>
@@ -21548,13 +21533,6 @@
   <p:clrMapOvr>
     <a:masterClrMapping/>
   </p:clrMapOvr>
-  <p:timing>
-    <p:tnLst>
-      <p:par>
-        <p:cTn id="1" dur="indefinite" restart="never" nodeType="tmRoot"/>
-      </p:par>
-    </p:tnLst>
-  </p:timing>
 </p:sld>
 </file>
 
@@ -21591,7 +21569,7 @@
           <a:lstStyle/>
           <a:p>
             <a:r>
-              <a:rPr lang="en-US" dirty="0" smtClean="0"/>
+              <a:rPr lang="en-US" dirty="0"/>
               <a:t>Home page, Sign up, sign in</a:t>
             </a:r>
             <a:endParaRPr lang="hu-HU" dirty="0"/>
@@ -21698,54 +21676,53 @@
               <a:t> </a:t>
             </a:r>
             <a:r>
-              <a:rPr lang="en-US" dirty="0" err="1" smtClean="0"/>
+              <a:rPr lang="en-US" dirty="0" err="1"/>
               <a:t>elé</a:t>
             </a:r>
             <a:r>
-              <a:rPr lang="en-US" dirty="0" smtClean="0"/>
+              <a:rPr lang="en-US" dirty="0"/>
               <a:t>, </a:t>
             </a:r>
             <a:r>
-              <a:rPr lang="en-US" dirty="0" err="1" smtClean="0"/>
+              <a:rPr lang="en-US" dirty="0" err="1"/>
               <a:t>innen</a:t>
             </a:r>
             <a:r>
-              <a:rPr lang="en-US" dirty="0" smtClean="0"/>
+              <a:rPr lang="en-US" dirty="0"/>
               <a:t> </a:t>
             </a:r>
             <a:r>
-              <a:rPr lang="en-US" dirty="0" err="1" smtClean="0"/>
+              <a:rPr lang="en-US" dirty="0" err="1"/>
               <a:t>lehet</a:t>
             </a:r>
             <a:r>
-              <a:rPr lang="en-US" dirty="0" smtClean="0"/>
+              <a:rPr lang="en-US" dirty="0"/>
               <a:t> </a:t>
             </a:r>
             <a:r>
-              <a:rPr lang="en-US" dirty="0" err="1" smtClean="0"/>
+              <a:rPr lang="en-US" dirty="0" err="1"/>
               <a:t>eljutni</a:t>
             </a:r>
             <a:r>
-              <a:rPr lang="en-US" dirty="0" smtClean="0"/>
+              <a:rPr lang="en-US" dirty="0"/>
               <a:t> a Sign In, </a:t>
             </a:r>
             <a:r>
-              <a:rPr lang="en-US" dirty="0" err="1" smtClean="0"/>
+              <a:rPr lang="en-US" dirty="0" err="1"/>
               <a:t>és</a:t>
             </a:r>
             <a:r>
-              <a:rPr lang="en-US" dirty="0" smtClean="0"/>
+              <a:rPr lang="en-US" dirty="0"/>
               <a:t> Sign Up </a:t>
             </a:r>
             <a:r>
-              <a:rPr lang="en-US" dirty="0" err="1" smtClean="0"/>
+              <a:rPr lang="en-US" dirty="0" err="1"/>
               <a:t>oldalakra</a:t>
             </a:r>
             <a:r>
-              <a:rPr lang="en-US" dirty="0" smtClean="0"/>
+              <a:rPr lang="en-US" dirty="0"/>
               <a:t>.</a:t>
             </a:r>
-            <a:endParaRPr lang="en-US" dirty="0"/>
           </a:p>
           <a:p>
             <a:pPr>
@@ -21753,67 +21730,67 @@
               <a:buChar char="v"/>
             </a:pPr>
             <a:r>
-              <a:rPr lang="en-US" dirty="0" err="1" smtClean="0"/>
+              <a:rPr lang="en-US" dirty="0" err="1"/>
               <a:t>Teljesen</a:t>
             </a:r>
             <a:r>
-              <a:rPr lang="en-US" dirty="0" smtClean="0"/>
+              <a:rPr lang="en-US" dirty="0"/>
               <a:t> </a:t>
             </a:r>
             <a:r>
-              <a:rPr lang="en-US" dirty="0" err="1" smtClean="0"/>
+              <a:rPr lang="en-US" dirty="0" err="1"/>
               <a:t>működőképes</a:t>
             </a:r>
             <a:r>
-              <a:rPr lang="en-US" dirty="0" smtClean="0"/>
+              <a:rPr lang="en-US" dirty="0"/>
               <a:t>, </a:t>
             </a:r>
             <a:r>
-              <a:rPr lang="en-US" dirty="0" err="1" smtClean="0"/>
+              <a:rPr lang="en-US" dirty="0" err="1"/>
               <a:t>adatbázisba</a:t>
             </a:r>
             <a:r>
-              <a:rPr lang="en-US" dirty="0" smtClean="0"/>
+              <a:rPr lang="en-US" dirty="0"/>
               <a:t> API-</a:t>
             </a:r>
             <a:r>
-              <a:rPr lang="en-US" dirty="0" err="1" smtClean="0"/>
+              <a:rPr lang="en-US" dirty="0" err="1"/>
               <a:t>val</a:t>
             </a:r>
             <a:r>
-              <a:rPr lang="en-US" dirty="0" smtClean="0"/>
+              <a:rPr lang="en-US" dirty="0"/>
               <a:t> </a:t>
             </a:r>
             <a:r>
-              <a:rPr lang="en-US" dirty="0" err="1" smtClean="0"/>
+              <a:rPr lang="en-US" dirty="0" err="1"/>
               <a:t>felhasználónév</a:t>
             </a:r>
             <a:r>
-              <a:rPr lang="en-US" dirty="0" smtClean="0"/>
+              <a:rPr lang="en-US" dirty="0"/>
               <a:t> </a:t>
             </a:r>
             <a:r>
-              <a:rPr lang="en-US" dirty="0" err="1" smtClean="0"/>
+              <a:rPr lang="en-US" dirty="0" err="1"/>
               <a:t>és</a:t>
             </a:r>
             <a:r>
-              <a:rPr lang="en-US" dirty="0" smtClean="0"/>
+              <a:rPr lang="en-US" dirty="0"/>
               <a:t> </a:t>
             </a:r>
             <a:r>
-              <a:rPr lang="en-US" dirty="0" err="1" smtClean="0"/>
+              <a:rPr lang="en-US" dirty="0" err="1"/>
               <a:t>password_hash</a:t>
             </a:r>
             <a:r>
-              <a:rPr lang="en-US" dirty="0" smtClean="0"/>
+              <a:rPr lang="en-US" dirty="0"/>
               <a:t> van </a:t>
             </a:r>
             <a:r>
-              <a:rPr lang="en-US" dirty="0" err="1" smtClean="0"/>
+              <a:rPr lang="en-US" dirty="0" err="1"/>
               <a:t>mentve</a:t>
             </a:r>
             <a:r>
-              <a:rPr lang="en-US" dirty="0" smtClean="0"/>
+              <a:rPr lang="en-US" dirty="0"/>
               <a:t>.</a:t>
             </a:r>
           </a:p>
@@ -21919,13 +21896,6 @@
   <p:clrMapOvr>
     <a:masterClrMapping/>
   </p:clrMapOvr>
-  <p:timing>
-    <p:tnLst>
-      <p:par>
-        <p:cTn id="1" dur="indefinite" restart="never" nodeType="tmRoot"/>
-      </p:par>
-    </p:tnLst>
-  </p:timing>
 </p:sld>
 </file>
 
@@ -21962,7 +21932,7 @@
           <a:lstStyle/>
           <a:p>
             <a:r>
-              <a:rPr lang="en-US" dirty="0" smtClean="0"/>
+              <a:rPr lang="en-US" dirty="0"/>
               <a:t>WORLD MAP</a:t>
             </a:r>
             <a:endParaRPr lang="hu-HU" dirty="0"/>
@@ -21989,147 +21959,151 @@
               <a:buChar char="v"/>
             </a:pPr>
             <a:r>
-              <a:rPr lang="en-US" dirty="0" err="1" smtClean="0"/>
+              <a:rPr lang="en-US" dirty="0" err="1"/>
               <a:t>Bejelentkezést</a:t>
             </a:r>
             <a:r>
-              <a:rPr lang="en-US" dirty="0" smtClean="0"/>
+              <a:rPr lang="en-US" dirty="0"/>
               <a:t> </a:t>
             </a:r>
             <a:r>
-              <a:rPr lang="en-US" dirty="0" err="1" smtClean="0"/>
+              <a:rPr lang="en-US" dirty="0" err="1"/>
               <a:t>követően</a:t>
             </a:r>
             <a:r>
-              <a:rPr lang="en-US" dirty="0" smtClean="0"/>
+              <a:rPr lang="en-US" dirty="0"/>
               <a:t> a </a:t>
             </a:r>
             <a:r>
-              <a:rPr lang="en-US" dirty="0" err="1" smtClean="0"/>
+              <a:rPr lang="en-US" dirty="0" err="1"/>
               <a:t>világtérkép</a:t>
             </a:r>
             <a:r>
-              <a:rPr lang="en-US" dirty="0" smtClean="0"/>
+              <a:rPr lang="en-US" dirty="0"/>
               <a:t> </a:t>
             </a:r>
             <a:r>
-              <a:rPr lang="en-US" dirty="0" err="1" smtClean="0"/>
+              <a:rPr lang="en-US" dirty="0" err="1"/>
               <a:t>tárul</a:t>
             </a:r>
             <a:r>
-              <a:rPr lang="en-US" dirty="0" smtClean="0"/>
+              <a:rPr lang="en-US" dirty="0"/>
               <a:t> </a:t>
             </a:r>
             <a:r>
-              <a:rPr lang="en-US" dirty="0" err="1" smtClean="0"/>
+              <a:rPr lang="en-US" dirty="0" err="1"/>
               <a:t>elénk</a:t>
             </a:r>
             <a:r>
-              <a:rPr lang="en-US" dirty="0" smtClean="0"/>
+              <a:rPr lang="en-US" dirty="0"/>
               <a:t>, </a:t>
             </a:r>
             <a:r>
-              <a:rPr lang="en-US" dirty="0" err="1" smtClean="0"/>
+              <a:rPr lang="en-US" dirty="0" err="1"/>
               <a:t>ahol</a:t>
             </a:r>
             <a:r>
-              <a:rPr lang="en-US" dirty="0" smtClean="0"/>
+              <a:rPr lang="en-US" dirty="0"/>
               <a:t> </a:t>
             </a:r>
             <a:r>
-              <a:rPr lang="en-US" dirty="0" err="1" smtClean="0"/>
+              <a:rPr lang="en-US" dirty="0" err="1"/>
               <a:t>már</a:t>
             </a:r>
             <a:r>
-              <a:rPr lang="en-US" dirty="0" smtClean="0"/>
+              <a:rPr lang="en-US" dirty="0"/>
               <a:t> </a:t>
             </a:r>
             <a:r>
-              <a:rPr lang="en-US" dirty="0" err="1" smtClean="0"/>
+              <a:rPr lang="en-US" dirty="0" err="1"/>
               <a:t>megoldottuk</a:t>
             </a:r>
             <a:r>
-              <a:rPr lang="en-US" dirty="0" smtClean="0"/>
+              <a:rPr lang="en-US" dirty="0"/>
               <a:t>, </a:t>
             </a:r>
             <a:r>
-              <a:rPr lang="en-US" dirty="0" err="1" smtClean="0"/>
+              <a:rPr lang="en-US" dirty="0" err="1"/>
               <a:t>hogy</a:t>
             </a:r>
             <a:r>
-              <a:rPr lang="en-US" dirty="0" smtClean="0"/>
+              <a:rPr lang="en-US" dirty="0"/>
               <a:t> </a:t>
             </a:r>
             <a:r>
-              <a:rPr lang="en-US" dirty="0" err="1" smtClean="0"/>
+              <a:rPr lang="en-US" dirty="0" err="1"/>
               <a:t>az</a:t>
             </a:r>
             <a:r>
-              <a:rPr lang="en-US" dirty="0" smtClean="0"/>
+              <a:rPr lang="en-US" dirty="0"/>
               <a:t> </a:t>
             </a:r>
             <a:r>
-              <a:rPr lang="en-US" dirty="0" err="1" smtClean="0"/>
+              <a:rPr lang="en-US" dirty="0" err="1"/>
               <a:t>országok</a:t>
             </a:r>
             <a:r>
-              <a:rPr lang="en-US" dirty="0" smtClean="0"/>
+              <a:rPr lang="en-US" dirty="0"/>
               <a:t> neve </a:t>
             </a:r>
             <a:r>
-              <a:rPr lang="en-US" dirty="0" err="1" smtClean="0"/>
+              <a:rPr lang="en-US" dirty="0" err="1"/>
               <a:t>és</a:t>
             </a:r>
             <a:r>
-              <a:rPr lang="en-US" dirty="0" smtClean="0"/>
+              <a:rPr lang="en-US" dirty="0"/>
               <a:t> </a:t>
             </a:r>
             <a:r>
-              <a:rPr lang="en-US" dirty="0" err="1" smtClean="0"/>
+              <a:rPr lang="en-US" dirty="0" err="1"/>
               <a:t>azonosítója</a:t>
             </a:r>
             <a:r>
-              <a:rPr lang="en-US" dirty="0" smtClean="0"/>
+              <a:rPr lang="en-US" dirty="0"/>
               <a:t> </a:t>
             </a:r>
             <a:r>
-              <a:rPr lang="en-US" dirty="0" err="1" smtClean="0"/>
-              <a:t>továbba</a:t>
-            </a:r>
-            <a:r>
-              <a:rPr lang="en-US" dirty="0" smtClean="0"/>
+              <a:rPr lang="en-US" dirty="0" err="1"/>
+              <a:t>tovább</a:t>
+            </a:r>
+            <a:r>
+              <a:rPr lang="hu-HU" dirty="0"/>
+              <a:t>á</a:t>
+            </a:r>
+            <a:r>
+              <a:rPr lang="en-US" dirty="0"/>
               <a:t> </a:t>
             </a:r>
             <a:r>
-              <a:rPr lang="en-US" dirty="0" err="1" smtClean="0"/>
+              <a:rPr lang="en-US" dirty="0" err="1"/>
               <a:t>ezek</a:t>
             </a:r>
             <a:r>
-              <a:rPr lang="en-US" dirty="0" smtClean="0"/>
+              <a:rPr lang="en-US" dirty="0"/>
               <a:t> </a:t>
             </a:r>
             <a:r>
-              <a:rPr lang="en-US" dirty="0" err="1" smtClean="0"/>
+              <a:rPr lang="en-US" dirty="0" err="1"/>
               <a:t>zászlaja</a:t>
             </a:r>
             <a:r>
-              <a:rPr lang="en-US" dirty="0" smtClean="0"/>
+              <a:rPr lang="en-US" dirty="0"/>
               <a:t> </a:t>
             </a:r>
             <a:r>
-              <a:rPr lang="en-US" dirty="0" err="1" smtClean="0"/>
+              <a:rPr lang="en-US" dirty="0" err="1"/>
               <a:t>látható</a:t>
             </a:r>
             <a:r>
-              <a:rPr lang="en-US" dirty="0" smtClean="0"/>
+              <a:rPr lang="en-US" dirty="0"/>
               <a:t> </a:t>
             </a:r>
             <a:r>
-              <a:rPr lang="en-US" dirty="0" err="1" smtClean="0"/>
+              <a:rPr lang="en-US" dirty="0" err="1"/>
               <a:t>legyen</a:t>
             </a:r>
             <a:r>
-              <a:rPr lang="en-US" dirty="0" smtClean="0"/>
+              <a:rPr lang="en-US" dirty="0"/>
               <a:t>. </a:t>
             </a:r>
           </a:p>
@@ -22139,35 +22113,35 @@
               <a:buChar char="v"/>
             </a:pPr>
             <a:r>
-              <a:rPr lang="en-US" dirty="0" err="1" smtClean="0"/>
+              <a:rPr lang="en-US" dirty="0" err="1"/>
               <a:t>Ehhez</a:t>
             </a:r>
             <a:r>
-              <a:rPr lang="en-US" dirty="0" smtClean="0"/>
+              <a:rPr lang="en-US" dirty="0"/>
               <a:t> a </a:t>
             </a:r>
             <a:r>
-              <a:rPr lang="en-US" dirty="0" err="1" smtClean="0"/>
+              <a:rPr lang="en-US" dirty="0" err="1"/>
               <a:t>térképet</a:t>
             </a:r>
             <a:r>
-              <a:rPr lang="en-US" dirty="0" smtClean="0"/>
+              <a:rPr lang="en-US" dirty="0"/>
               <a:t> SVG </a:t>
             </a:r>
             <a:r>
-              <a:rPr lang="en-US" dirty="0" err="1" smtClean="0"/>
+              <a:rPr lang="en-US" dirty="0" err="1"/>
               <a:t>formátumban</a:t>
             </a:r>
             <a:r>
-              <a:rPr lang="en-US" dirty="0" smtClean="0"/>
+              <a:rPr lang="en-US" dirty="0"/>
               <a:t> </a:t>
             </a:r>
             <a:r>
-              <a:rPr lang="en-US" dirty="0" err="1" smtClean="0"/>
+              <a:rPr lang="en-US" dirty="0" err="1"/>
               <a:t>töltöttük</a:t>
             </a:r>
             <a:r>
-              <a:rPr lang="en-US" dirty="0" smtClean="0"/>
+              <a:rPr lang="en-US" dirty="0"/>
               <a:t> le.</a:t>
             </a:r>
           </a:p>
@@ -22177,63 +22151,63 @@
               <a:buChar char="v"/>
             </a:pPr>
             <a:r>
-              <a:rPr lang="en-US" dirty="0" smtClean="0"/>
+              <a:rPr lang="en-US" dirty="0"/>
               <a:t>A </a:t>
             </a:r>
             <a:r>
-              <a:rPr lang="en-US" dirty="0" err="1" smtClean="0"/>
+              <a:rPr lang="en-US" dirty="0" err="1"/>
               <a:t>zászlók</a:t>
             </a:r>
             <a:r>
-              <a:rPr lang="en-US" dirty="0" smtClean="0"/>
+              <a:rPr lang="en-US" dirty="0"/>
               <a:t> </a:t>
             </a:r>
             <a:r>
-              <a:rPr lang="en-US" dirty="0" err="1" smtClean="0"/>
+              <a:rPr lang="en-US" dirty="0" err="1"/>
               <a:t>hozzá</a:t>
             </a:r>
             <a:r>
-              <a:rPr lang="en-US" dirty="0" smtClean="0"/>
+              <a:rPr lang="en-US" dirty="0"/>
               <a:t> </a:t>
             </a:r>
             <a:r>
-              <a:rPr lang="en-US" dirty="0" err="1" smtClean="0"/>
+              <a:rPr lang="en-US" dirty="0" err="1"/>
               <a:t>egy</a:t>
             </a:r>
             <a:r>
-              <a:rPr lang="en-US" dirty="0" smtClean="0"/>
+              <a:rPr lang="en-US" dirty="0"/>
               <a:t> </a:t>
             </a:r>
             <a:r>
-              <a:rPr lang="en-US" dirty="0" err="1" smtClean="0"/>
+              <a:rPr lang="en-US" dirty="0" err="1"/>
               <a:t>ingyenes</a:t>
             </a:r>
             <a:r>
-              <a:rPr lang="en-US" dirty="0" smtClean="0"/>
+              <a:rPr lang="en-US" dirty="0"/>
               <a:t> </a:t>
             </a:r>
             <a:r>
-              <a:rPr lang="en-US" dirty="0" err="1" smtClean="0"/>
+              <a:rPr lang="en-US" dirty="0" err="1"/>
               <a:t>külső</a:t>
             </a:r>
             <a:r>
-              <a:rPr lang="en-US" dirty="0" smtClean="0"/>
+              <a:rPr lang="en-US" dirty="0"/>
               <a:t> API-n </a:t>
             </a:r>
             <a:r>
-              <a:rPr lang="en-US" dirty="0" err="1" smtClean="0"/>
+              <a:rPr lang="en-US" dirty="0" err="1"/>
               <a:t>keresztül</a:t>
             </a:r>
             <a:r>
-              <a:rPr lang="en-US" dirty="0" smtClean="0"/>
+              <a:rPr lang="en-US" dirty="0"/>
               <a:t> </a:t>
             </a:r>
             <a:r>
-              <a:rPr lang="en-US" dirty="0" err="1" smtClean="0"/>
+              <a:rPr lang="en-US" dirty="0" err="1"/>
               <a:t>töltödnek</a:t>
             </a:r>
             <a:r>
-              <a:rPr lang="en-US" dirty="0" smtClean="0"/>
+              <a:rPr lang="en-US" dirty="0"/>
               <a:t> le.</a:t>
             </a:r>
           </a:p>
@@ -22243,115 +22217,115 @@
               <a:buChar char="v"/>
             </a:pPr>
             <a:r>
-              <a:rPr lang="en-US" dirty="0" err="1" smtClean="0"/>
+              <a:rPr lang="en-US" dirty="0" err="1"/>
               <a:t>Az</a:t>
             </a:r>
             <a:r>
-              <a:rPr lang="en-US" dirty="0" smtClean="0"/>
+              <a:rPr lang="en-US" dirty="0"/>
               <a:t> </a:t>
             </a:r>
             <a:r>
-              <a:rPr lang="en-US" dirty="0" err="1" smtClean="0"/>
+              <a:rPr lang="en-US" dirty="0" err="1"/>
               <a:t>országokhoz</a:t>
             </a:r>
             <a:r>
-              <a:rPr lang="en-US" dirty="0" smtClean="0"/>
+              <a:rPr lang="en-US" dirty="0"/>
               <a:t> van </a:t>
             </a:r>
             <a:r>
-              <a:rPr lang="en-US" dirty="0" err="1" smtClean="0"/>
+              <a:rPr lang="en-US" dirty="0" err="1"/>
               <a:t>egy</a:t>
             </a:r>
             <a:r>
-              <a:rPr lang="en-US" dirty="0" smtClean="0"/>
+              <a:rPr lang="en-US" dirty="0"/>
               <a:t> JSON </a:t>
             </a:r>
             <a:r>
-              <a:rPr lang="en-US" dirty="0" err="1" smtClean="0"/>
+              <a:rPr lang="en-US" dirty="0" err="1"/>
               <a:t>fájlunk</a:t>
             </a:r>
             <a:r>
-              <a:rPr lang="en-US" dirty="0" smtClean="0"/>
+              <a:rPr lang="en-US" dirty="0"/>
               <a:t> </a:t>
             </a:r>
             <a:r>
-              <a:rPr lang="en-US" dirty="0" err="1" smtClean="0"/>
+              <a:rPr lang="en-US" dirty="0" err="1"/>
               <a:t>amely</a:t>
             </a:r>
             <a:r>
-              <a:rPr lang="en-US" dirty="0" smtClean="0"/>
+              <a:rPr lang="en-US" dirty="0"/>
               <a:t> </a:t>
             </a:r>
             <a:r>
-              <a:rPr lang="en-US" dirty="0" err="1" smtClean="0"/>
+              <a:rPr lang="en-US" dirty="0" err="1"/>
               <a:t>az</a:t>
             </a:r>
             <a:r>
-              <a:rPr lang="en-US" dirty="0" smtClean="0"/>
+              <a:rPr lang="en-US" dirty="0"/>
               <a:t> </a:t>
             </a:r>
             <a:r>
-              <a:rPr lang="en-US" dirty="0" err="1" smtClean="0"/>
+              <a:rPr lang="en-US" dirty="0" err="1"/>
               <a:t>országok</a:t>
             </a:r>
             <a:r>
-              <a:rPr lang="en-US" dirty="0" smtClean="0"/>
+              <a:rPr lang="en-US" dirty="0"/>
               <a:t> SVG-ben </a:t>
             </a:r>
             <a:r>
-              <a:rPr lang="en-US" dirty="0" err="1" smtClean="0"/>
+              <a:rPr lang="en-US" dirty="0" err="1"/>
               <a:t>használt</a:t>
             </a:r>
             <a:r>
-              <a:rPr lang="en-US" dirty="0" smtClean="0"/>
+              <a:rPr lang="en-US" dirty="0"/>
               <a:t> Alpha 2-es </a:t>
             </a:r>
             <a:r>
-              <a:rPr lang="en-US" dirty="0" err="1" smtClean="0"/>
+              <a:rPr lang="en-US" dirty="0" err="1"/>
               <a:t>kódját</a:t>
             </a:r>
             <a:r>
-              <a:rPr lang="en-US" dirty="0" smtClean="0"/>
+              <a:rPr lang="en-US" dirty="0"/>
               <a:t> </a:t>
             </a:r>
             <a:r>
-              <a:rPr lang="en-US" dirty="0" err="1" smtClean="0"/>
+              <a:rPr lang="en-US" dirty="0" err="1"/>
               <a:t>párosítja</a:t>
             </a:r>
             <a:r>
-              <a:rPr lang="en-US" dirty="0" smtClean="0"/>
+              <a:rPr lang="en-US" dirty="0"/>
               <a:t> </a:t>
             </a:r>
             <a:r>
-              <a:rPr lang="en-US" dirty="0" err="1" smtClean="0"/>
+              <a:rPr lang="en-US" dirty="0" err="1"/>
               <a:t>az</a:t>
             </a:r>
             <a:r>
-              <a:rPr lang="en-US" dirty="0" smtClean="0"/>
+              <a:rPr lang="en-US" dirty="0"/>
               <a:t> </a:t>
             </a:r>
             <a:r>
-              <a:rPr lang="en-US" dirty="0" err="1" smtClean="0"/>
+              <a:rPr lang="en-US" dirty="0" err="1"/>
               <a:t>adatbázisban</a:t>
             </a:r>
             <a:r>
-              <a:rPr lang="en-US" dirty="0" smtClean="0"/>
+              <a:rPr lang="en-US" dirty="0"/>
               <a:t> </a:t>
             </a:r>
             <a:r>
-              <a:rPr lang="en-US" dirty="0" err="1" smtClean="0"/>
+              <a:rPr lang="en-US" dirty="0" err="1"/>
               <a:t>használt</a:t>
             </a:r>
             <a:r>
-              <a:rPr lang="en-US" dirty="0" smtClean="0"/>
+              <a:rPr lang="en-US" dirty="0"/>
               <a:t> Alpha 3-as </a:t>
             </a:r>
             <a:r>
-              <a:rPr lang="en-US" dirty="0" err="1" smtClean="0"/>
+              <a:rPr lang="en-US" dirty="0" err="1"/>
               <a:t>kóddal</a:t>
             </a:r>
             <a:r>
-              <a:rPr lang="en-US" dirty="0" smtClean="0"/>
+              <a:rPr lang="en-US" dirty="0"/>
               <a:t>. </a:t>
             </a:r>
           </a:p>
@@ -22361,84 +22335,84 @@
               <a:buChar char="v"/>
             </a:pPr>
             <a:r>
-              <a:rPr lang="en-US" dirty="0" smtClean="0"/>
+              <a:rPr lang="en-US" dirty="0"/>
               <a:t>A </a:t>
             </a:r>
             <a:r>
-              <a:rPr lang="en-US" dirty="0" err="1" smtClean="0"/>
+              <a:rPr lang="en-US" dirty="0" err="1"/>
               <a:t>térképen</a:t>
             </a:r>
             <a:r>
-              <a:rPr lang="en-US" dirty="0" smtClean="0"/>
+              <a:rPr lang="en-US" dirty="0"/>
               <a:t> </a:t>
             </a:r>
             <a:r>
-              <a:rPr lang="en-US" dirty="0" err="1" smtClean="0"/>
+              <a:rPr lang="en-US" dirty="0" err="1"/>
               <a:t>történő</a:t>
             </a:r>
             <a:r>
-              <a:rPr lang="en-US" dirty="0" smtClean="0"/>
+              <a:rPr lang="en-US" dirty="0"/>
               <a:t> </a:t>
             </a:r>
             <a:r>
-              <a:rPr lang="en-US" dirty="0" err="1" smtClean="0"/>
+              <a:rPr lang="en-US" dirty="0" err="1"/>
               <a:t>mozgást</a:t>
             </a:r>
             <a:r>
-              <a:rPr lang="en-US" dirty="0" smtClean="0"/>
+              <a:rPr lang="en-US" dirty="0"/>
               <a:t> </a:t>
             </a:r>
             <a:r>
-              <a:rPr lang="en-US" dirty="0" err="1" smtClean="0"/>
+              <a:rPr lang="en-US" dirty="0" err="1"/>
               <a:t>és</a:t>
             </a:r>
             <a:r>
-              <a:rPr lang="en-US" dirty="0" smtClean="0"/>
+              <a:rPr lang="en-US" dirty="0"/>
               <a:t> </a:t>
             </a:r>
             <a:r>
-              <a:rPr lang="en-US" dirty="0" err="1" smtClean="0"/>
+              <a:rPr lang="en-US" dirty="0" err="1"/>
               <a:t>kattintás</a:t>
             </a:r>
             <a:r>
-              <a:rPr lang="en-US" dirty="0" smtClean="0"/>
+              <a:rPr lang="en-US" dirty="0"/>
               <a:t> </a:t>
             </a:r>
             <a:r>
-              <a:rPr lang="en-US" dirty="0" err="1" smtClean="0"/>
+              <a:rPr lang="en-US" dirty="0" err="1"/>
               <a:t>egy</a:t>
             </a:r>
             <a:r>
-              <a:rPr lang="en-US" dirty="0" smtClean="0"/>
+              <a:rPr lang="en-US" dirty="0"/>
               <a:t> JS </a:t>
             </a:r>
             <a:r>
-              <a:rPr lang="en-US" dirty="0" err="1" smtClean="0"/>
+              <a:rPr lang="en-US" dirty="0" err="1"/>
               <a:t>trackeli</a:t>
             </a:r>
             <a:r>
-              <a:rPr lang="en-US" dirty="0" smtClean="0"/>
+              <a:rPr lang="en-US" dirty="0"/>
               <a:t>, </a:t>
             </a:r>
             <a:r>
-              <a:rPr lang="en-US" dirty="0" err="1" smtClean="0"/>
+              <a:rPr lang="en-US" dirty="0" err="1"/>
               <a:t>és</a:t>
             </a:r>
             <a:r>
-              <a:rPr lang="en-US" dirty="0" smtClean="0"/>
+              <a:rPr lang="en-US" dirty="0"/>
               <a:t> </a:t>
             </a:r>
             <a:r>
-              <a:rPr lang="en-US" dirty="0" err="1" smtClean="0"/>
+              <a:rPr lang="en-US" dirty="0" err="1"/>
               <a:t>érzékeli</a:t>
             </a:r>
             <a:r>
-              <a:rPr lang="en-US" dirty="0" smtClean="0"/>
+              <a:rPr lang="en-US" dirty="0"/>
               <a:t>.</a:t>
             </a:r>
           </a:p>
           <a:p>
-            <a:endParaRPr lang="en-US" dirty="0" smtClean="0"/>
+            <a:endParaRPr lang="en-US" dirty="0"/>
           </a:p>
         </p:txBody>
       </p:sp>
@@ -22476,13 +22450,6 @@
   <p:clrMapOvr>
     <a:masterClrMapping/>
   </p:clrMapOvr>
-  <p:timing>
-    <p:tnLst>
-      <p:par>
-        <p:cTn id="1" dur="indefinite" restart="never" nodeType="tmRoot"/>
-      </p:par>
-    </p:tnLst>
-  </p:timing>
 </p:sld>
 </file>
 
@@ -22520,7 +22487,7 @@
           <a:p>
             <a:pPr algn="ctr"/>
             <a:r>
-              <a:rPr lang="en-US" dirty="0" smtClean="0"/>
+              <a:rPr lang="en-US" dirty="0"/>
               <a:t>KÖSZÖNJÜK A FIGYELMET!</a:t>
             </a:r>
             <a:endParaRPr lang="hu-HU" dirty="0"/>
@@ -22549,187 +22516,187 @@
               <a:buChar char="v"/>
             </a:pPr>
             <a:r>
-              <a:rPr lang="en-US" sz="2400" dirty="0" err="1" smtClean="0"/>
+              <a:rPr lang="en-US" sz="2400" dirty="0" err="1"/>
               <a:t>Projektünk</a:t>
             </a:r>
             <a:r>
-              <a:rPr lang="en-US" sz="2400" dirty="0" smtClean="0"/>
+              <a:rPr lang="en-US" sz="2400" dirty="0"/>
               <a:t> </a:t>
             </a:r>
             <a:r>
-              <a:rPr lang="en-US" sz="2400" dirty="0" err="1" smtClean="0"/>
+              <a:rPr lang="en-US" sz="2400" dirty="0" err="1"/>
               <a:t>egyelőre</a:t>
             </a:r>
             <a:r>
-              <a:rPr lang="en-US" sz="2400" dirty="0" smtClean="0"/>
+              <a:rPr lang="en-US" sz="2400" dirty="0"/>
               <a:t> </a:t>
             </a:r>
             <a:r>
-              <a:rPr lang="en-US" sz="2400" dirty="0" err="1" smtClean="0"/>
+              <a:rPr lang="en-US" sz="2400" dirty="0" err="1"/>
               <a:t>itt</a:t>
             </a:r>
             <a:r>
-              <a:rPr lang="en-US" sz="2400" dirty="0" smtClean="0"/>
+              <a:rPr lang="en-US" sz="2400" dirty="0"/>
               <a:t> tart, </a:t>
             </a:r>
             <a:r>
-              <a:rPr lang="en-US" sz="2400" dirty="0" err="1" smtClean="0"/>
+              <a:rPr lang="en-US" sz="2400" dirty="0" err="1"/>
               <a:t>véleményünk</a:t>
             </a:r>
             <a:r>
-              <a:rPr lang="en-US" sz="2400" dirty="0" smtClean="0"/>
+              <a:rPr lang="en-US" sz="2400" dirty="0"/>
               <a:t> </a:t>
             </a:r>
             <a:r>
-              <a:rPr lang="en-US" sz="2400" dirty="0" err="1" smtClean="0"/>
+              <a:rPr lang="en-US" sz="2400" dirty="0" err="1"/>
               <a:t>szerint</a:t>
             </a:r>
             <a:r>
-              <a:rPr lang="en-US" sz="2400" dirty="0" smtClean="0"/>
+              <a:rPr lang="en-US" sz="2400" dirty="0"/>
               <a:t> </a:t>
             </a:r>
             <a:r>
-              <a:rPr lang="en-US" sz="2400" dirty="0" err="1" smtClean="0"/>
+              <a:rPr lang="en-US" sz="2400" dirty="0" err="1"/>
               <a:t>lassan</a:t>
             </a:r>
             <a:r>
-              <a:rPr lang="en-US" sz="2400" dirty="0" smtClean="0"/>
+              <a:rPr lang="en-US" sz="2400" dirty="0"/>
               <a:t> </a:t>
             </a:r>
             <a:r>
-              <a:rPr lang="en-US" sz="2400" dirty="0" err="1" smtClean="0"/>
+              <a:rPr lang="en-US" sz="2400" dirty="0" err="1"/>
               <a:t>félúton</a:t>
             </a:r>
             <a:r>
-              <a:rPr lang="en-US" sz="2400" dirty="0" smtClean="0"/>
+              <a:rPr lang="en-US" sz="2400" dirty="0"/>
               <a:t> </a:t>
             </a:r>
             <a:r>
-              <a:rPr lang="en-US" sz="2400" dirty="0" err="1" smtClean="0"/>
+              <a:rPr lang="en-US" sz="2400" dirty="0" err="1"/>
               <a:t>járunk</a:t>
             </a:r>
             <a:r>
-              <a:rPr lang="en-US" sz="2400" dirty="0" smtClean="0"/>
+              <a:rPr lang="en-US" sz="2400" dirty="0"/>
               <a:t>, </a:t>
             </a:r>
             <a:r>
-              <a:rPr lang="en-US" sz="2400" dirty="0" err="1" smtClean="0"/>
+              <a:rPr lang="en-US" sz="2400" dirty="0" err="1"/>
               <a:t>bízunk</a:t>
             </a:r>
             <a:r>
-              <a:rPr lang="en-US" sz="2400" dirty="0" smtClean="0"/>
+              <a:rPr lang="en-US" sz="2400" dirty="0"/>
               <a:t> benne, </a:t>
             </a:r>
             <a:r>
-              <a:rPr lang="en-US" sz="2400" dirty="0" err="1" smtClean="0"/>
+              <a:rPr lang="en-US" sz="2400" dirty="0" err="1"/>
               <a:t>hogy</a:t>
             </a:r>
             <a:r>
-              <a:rPr lang="en-US" sz="2400" dirty="0" smtClean="0"/>
+              <a:rPr lang="en-US" sz="2400" dirty="0"/>
               <a:t> </a:t>
             </a:r>
             <a:r>
-              <a:rPr lang="en-US" sz="2400" dirty="0" err="1" smtClean="0"/>
+              <a:rPr lang="en-US" sz="2400" dirty="0" err="1"/>
               <a:t>bőven</a:t>
             </a:r>
             <a:r>
-              <a:rPr lang="en-US" sz="2400" dirty="0" smtClean="0"/>
+              <a:rPr lang="en-US" sz="2400" dirty="0"/>
               <a:t> a </a:t>
             </a:r>
             <a:r>
-              <a:rPr lang="en-US" sz="2400" dirty="0" err="1" smtClean="0"/>
+              <a:rPr lang="en-US" sz="2400" dirty="0" err="1"/>
               <a:t>határidő</a:t>
             </a:r>
             <a:r>
-              <a:rPr lang="en-US" sz="2400" dirty="0" smtClean="0"/>
+              <a:rPr lang="en-US" sz="2400" dirty="0"/>
               <a:t> </a:t>
             </a:r>
             <a:r>
-              <a:rPr lang="en-US" sz="2400" dirty="0" err="1" smtClean="0"/>
+              <a:rPr lang="en-US" sz="2400" dirty="0" err="1"/>
               <a:t>előtt</a:t>
             </a:r>
             <a:r>
-              <a:rPr lang="en-US" sz="2400" dirty="0" smtClean="0"/>
+              <a:rPr lang="en-US" sz="2400" dirty="0"/>
               <a:t> </a:t>
             </a:r>
             <a:r>
-              <a:rPr lang="en-US" sz="2400" dirty="0" err="1" smtClean="0"/>
+              <a:rPr lang="en-US" sz="2400" dirty="0" err="1"/>
               <a:t>készen</a:t>
             </a:r>
             <a:r>
-              <a:rPr lang="en-US" sz="2400" dirty="0" smtClean="0"/>
+              <a:rPr lang="en-US" sz="2400" dirty="0"/>
               <a:t> </a:t>
             </a:r>
             <a:r>
-              <a:rPr lang="en-US" sz="2400" dirty="0" err="1" smtClean="0"/>
+              <a:rPr lang="en-US" sz="2400" dirty="0" err="1"/>
               <a:t>leszünk</a:t>
             </a:r>
             <a:r>
-              <a:rPr lang="en-US" sz="2400" dirty="0" smtClean="0"/>
+              <a:rPr lang="en-US" sz="2400" dirty="0"/>
               <a:t>, </a:t>
             </a:r>
             <a:r>
-              <a:rPr lang="en-US" sz="2400" dirty="0" err="1" smtClean="0"/>
+              <a:rPr lang="en-US" sz="2400" dirty="0" err="1"/>
               <a:t>és</a:t>
             </a:r>
             <a:r>
-              <a:rPr lang="en-US" sz="2400" dirty="0" smtClean="0"/>
+              <a:rPr lang="en-US" sz="2400" dirty="0"/>
               <a:t> </a:t>
             </a:r>
             <a:r>
-              <a:rPr lang="en-US" sz="2400" dirty="0" err="1" smtClean="0"/>
+              <a:rPr lang="en-US" sz="2400" dirty="0" err="1"/>
               <a:t>marad</a:t>
             </a:r>
             <a:r>
-              <a:rPr lang="en-US" sz="2400" dirty="0" smtClean="0"/>
+              <a:rPr lang="en-US" sz="2400" dirty="0"/>
               <a:t> </a:t>
             </a:r>
             <a:r>
-              <a:rPr lang="en-US" sz="2400" dirty="0" err="1" smtClean="0"/>
+              <a:rPr lang="en-US" sz="2400" dirty="0" err="1"/>
               <a:t>elég</a:t>
             </a:r>
             <a:r>
-              <a:rPr lang="en-US" sz="2400" dirty="0" smtClean="0"/>
+              <a:rPr lang="en-US" sz="2400" dirty="0"/>
               <a:t> </a:t>
             </a:r>
             <a:r>
-              <a:rPr lang="en-US" sz="2400" dirty="0" err="1" smtClean="0"/>
+              <a:rPr lang="en-US" sz="2400" dirty="0" err="1"/>
               <a:t>időnk</a:t>
             </a:r>
             <a:r>
-              <a:rPr lang="en-US" sz="2400" dirty="0" smtClean="0"/>
+              <a:rPr lang="en-US" sz="2400" dirty="0"/>
               <a:t> </a:t>
             </a:r>
             <a:r>
-              <a:rPr lang="en-US" sz="2400" dirty="0" err="1" smtClean="0"/>
+              <a:rPr lang="en-US" sz="2400" dirty="0" err="1"/>
               <a:t>tesztelni</a:t>
             </a:r>
             <a:r>
-              <a:rPr lang="en-US" sz="2400" dirty="0" smtClean="0"/>
+              <a:rPr lang="en-US" sz="2400" dirty="0"/>
               <a:t>, </a:t>
             </a:r>
             <a:r>
-              <a:rPr lang="en-US" sz="2400" dirty="0" err="1" smtClean="0"/>
+              <a:rPr lang="en-US" sz="2400" dirty="0" err="1"/>
               <a:t>és</a:t>
             </a:r>
             <a:r>
-              <a:rPr lang="en-US" sz="2400" dirty="0" smtClean="0"/>
+              <a:rPr lang="en-US" sz="2400" dirty="0"/>
               <a:t> </a:t>
             </a:r>
             <a:r>
-              <a:rPr lang="en-US" sz="2400" dirty="0" err="1" smtClean="0"/>
+              <a:rPr lang="en-US" sz="2400" dirty="0" err="1"/>
               <a:t>módosításokat</a:t>
             </a:r>
             <a:r>
-              <a:rPr lang="en-US" sz="2400" dirty="0" smtClean="0"/>
+              <a:rPr lang="en-US" sz="2400" dirty="0"/>
               <a:t> </a:t>
             </a:r>
             <a:r>
-              <a:rPr lang="en-US" sz="2400" dirty="0" err="1" smtClean="0"/>
+              <a:rPr lang="en-US" sz="2400" dirty="0" err="1"/>
               <a:t>eszközölni</a:t>
             </a:r>
             <a:r>
-              <a:rPr lang="en-US" sz="2400" dirty="0" smtClean="0"/>
+              <a:rPr lang="en-US" sz="2400" dirty="0"/>
               <a:t> is.</a:t>
             </a:r>
             <a:endParaRPr lang="hu-HU" sz="2400" dirty="0"/>
@@ -22746,13 +22713,6 @@
   <p:clrMapOvr>
     <a:masterClrMapping/>
   </p:clrMapOvr>
-  <p:timing>
-    <p:tnLst>
-      <p:par>
-        <p:cTn id="1" dur="indefinite" restart="never" nodeType="tmRoot"/>
-      </p:par>
-    </p:tnLst>
-  </p:timing>
 </p:sld>
 </file>
 
